--- a/TICTACUFOGame/TICTAC UFO Office Scripts Game.pptx
+++ b/TICTACUFOGame/TICTAC UFO Office Scripts Game.pptx
@@ -211,7 +211,7 @@
           <a:p>
             <a:fld id="{061C5132-FFA3-4B02-9F09-22FCF40EFA74}" type="datetimeFigureOut">
               <a:rPr lang="en-US" smtClean="0"/>
-              <a:t>3/30/2021</a:t>
+              <a:t>3/31/2021</a:t>
             </a:fld>
             <a:endParaRPr lang="en-US"/>
           </a:p>
@@ -376,7 +376,7 @@
           <a:p>
             <a:fld id="{0B6E42C9-243F-4DC5-AFF6-9D56B5FA9D63}" type="datetimeFigureOut">
               <a:rPr lang="en-US" smtClean="0"/>
-              <a:t>3/30/2021</a:t>
+              <a:t>3/31/2021</a:t>
             </a:fld>
             <a:endParaRPr lang="en-US"/>
           </a:p>
@@ -2334,7 +2334,7 @@
           <a:p>
             <a:fld id="{B0FE2824-C2A0-4931-BB32-60B24BDBB3CC}" type="datetimeFigureOut">
               <a:rPr lang="en-US" smtClean="0"/>
-              <a:t>3/30/2021</a:t>
+              <a:t>3/31/2021</a:t>
             </a:fld>
             <a:endParaRPr lang="en-US"/>
           </a:p>
@@ -2529,7 +2529,7 @@
           <a:p>
             <a:fld id="{B0FE2824-C2A0-4931-BB32-60B24BDBB3CC}" type="datetimeFigureOut">
               <a:rPr lang="en-US" smtClean="0"/>
-              <a:t>3/30/2021</a:t>
+              <a:t>3/31/2021</a:t>
             </a:fld>
             <a:endParaRPr lang="en-US"/>
           </a:p>
@@ -2709,7 +2709,7 @@
           <a:p>
             <a:fld id="{B0FE2824-C2A0-4931-BB32-60B24BDBB3CC}" type="datetimeFigureOut">
               <a:rPr lang="en-US" smtClean="0"/>
-              <a:t>3/30/2021</a:t>
+              <a:t>3/31/2021</a:t>
             </a:fld>
             <a:endParaRPr lang="en-US"/>
           </a:p>
@@ -3229,7 +3229,7 @@
           <a:p>
             <a:fld id="{B0FE2824-C2A0-4931-BB32-60B24BDBB3CC}" type="datetimeFigureOut">
               <a:rPr lang="en-US" smtClean="0"/>
-              <a:t>3/30/2021</a:t>
+              <a:t>3/31/2021</a:t>
             </a:fld>
             <a:endParaRPr lang="en-US"/>
           </a:p>
@@ -3671,7 +3671,7 @@
           <a:p>
             <a:fld id="{B0FE2824-C2A0-4931-BB32-60B24BDBB3CC}" type="datetimeFigureOut">
               <a:rPr lang="en-US" smtClean="0"/>
-              <a:t>3/30/2021</a:t>
+              <a:t>3/31/2021</a:t>
             </a:fld>
             <a:endParaRPr lang="en-US"/>
           </a:p>
@@ -3800,7 +3800,7 @@
           <a:p>
             <a:fld id="{B0FE2824-C2A0-4931-BB32-60B24BDBB3CC}" type="datetimeFigureOut">
               <a:rPr lang="en-US" smtClean="0"/>
-              <a:t>3/30/2021</a:t>
+              <a:t>3/31/2021</a:t>
             </a:fld>
             <a:endParaRPr lang="en-US"/>
           </a:p>
@@ -3907,7 +3907,7 @@
           <a:p>
             <a:fld id="{B0FE2824-C2A0-4931-BB32-60B24BDBB3CC}" type="datetimeFigureOut">
               <a:rPr lang="en-US" smtClean="0"/>
-              <a:t>3/30/2021</a:t>
+              <a:t>3/31/2021</a:t>
             </a:fld>
             <a:endParaRPr lang="en-US"/>
           </a:p>
@@ -4203,7 +4203,7 @@
           <a:p>
             <a:fld id="{B0FE2824-C2A0-4931-BB32-60B24BDBB3CC}" type="datetimeFigureOut">
               <a:rPr lang="en-US" smtClean="0"/>
-              <a:t>3/30/2021</a:t>
+              <a:t>3/31/2021</a:t>
             </a:fld>
             <a:endParaRPr lang="en-US"/>
           </a:p>
@@ -4476,7 +4476,7 @@
           <a:p>
             <a:fld id="{B0FE2824-C2A0-4931-BB32-60B24BDBB3CC}" type="datetimeFigureOut">
               <a:rPr lang="en-US" smtClean="0"/>
-              <a:t>3/30/2021</a:t>
+              <a:t>3/31/2021</a:t>
             </a:fld>
             <a:endParaRPr lang="en-US"/>
           </a:p>
@@ -4770,7 +4770,7 @@
             <a:fld id="{B0FE2824-C2A0-4931-BB32-60B24BDBB3CC}" type="datetimeFigureOut">
               <a:rPr lang="en-US" smtClean="0"/>
               <a:pPr/>
-              <a:t>3/30/2021</a:t>
+              <a:t>3/31/2021</a:t>
             </a:fld>
             <a:endParaRPr lang="en-US"/>
           </a:p>
@@ -5585,7 +5585,7 @@
           <a:p>
             <a:r>
               <a:rPr lang="en-GB" sz="2400" dirty="0"/>
-              <a:t>Excel Online has the power and capability to be used a front-end user interface for your web-based applications.</a:t>
+              <a:t>Excel Online has the power and capability to be used as a front-end user interface for your web-based applications.</a:t>
             </a:r>
           </a:p>
           <a:p>
@@ -7366,7 +7366,7 @@
         <p:spPr>
           <a:xfrm>
             <a:off x="551384" y="1559931"/>
-            <a:ext cx="11017224" cy="3733971"/>
+            <a:ext cx="11017224" cy="3939155"/>
           </a:xfrm>
           <a:prstGeom prst="rect">
             <a:avLst/>
@@ -7513,9 +7513,20 @@
               <a:lnSpc>
                 <a:spcPct val="107000"/>
               </a:lnSpc>
+              <a:spcAft>
+                <a:spcPts val="800"/>
+              </a:spcAft>
               <a:buFont typeface="Symbol" panose="05050102010706020507" pitchFamily="18" charset="2"/>
               <a:buChar char=""/>
             </a:pPr>
+            <a:r>
+              <a:rPr lang="en-IE" sz="2400" dirty="0">
+                <a:latin typeface="Calibri" panose="020F0502020204030204" pitchFamily="34" charset="0"/>
+                <a:ea typeface="Calibri" panose="020F0502020204030204" pitchFamily="34" charset="0"/>
+                <a:cs typeface="Times New Roman" panose="02020603050405020304" pitchFamily="18" charset="0"/>
+              </a:rPr>
+              <a:t>The long D</a:t>
+            </a:r>
             <a:r>
               <a:rPr lang="en-IE" sz="2400" dirty="0">
                 <a:effectLst/>
@@ -7523,16 +7534,67 @@
                 <a:ea typeface="Calibri" panose="020F0502020204030204" pitchFamily="34" charset="0"/>
                 <a:cs typeface="Times New Roman" panose="02020603050405020304" pitchFamily="18" charset="0"/>
               </a:rPr>
-              <a:t>The long Demo video: </a:t>
-            </a:r>
-            <a:br>
+              <a:t>emo video: </a:t>
+            </a:r>
+            <a:r>
+              <a:rPr lang="en-IE" sz="2400" dirty="0">
+                <a:effectLst/>
+                <a:latin typeface="Calibri" panose="020F0502020204030204" pitchFamily="34" charset="0"/>
+                <a:ea typeface="Calibri" panose="020F0502020204030204" pitchFamily="34" charset="0"/>
+                <a:cs typeface="Times New Roman" panose="02020603050405020304" pitchFamily="18" charset="0"/>
+                <a:hlinkClick r:id="rId5"/>
+              </a:rPr>
+              <a:t>https://youtu.be/F49hwCzpygQ</a:t>
+            </a:r>
+            <a:r>
               <a:rPr lang="en-IE" sz="2400" dirty="0">
                 <a:effectLst/>
                 <a:latin typeface="Calibri" panose="020F0502020204030204" pitchFamily="34" charset="0"/>
                 <a:ea typeface="Calibri" panose="020F0502020204030204" pitchFamily="34" charset="0"/>
                 <a:cs typeface="Times New Roman" panose="02020603050405020304" pitchFamily="18" charset="0"/>
               </a:rPr>
-            </a:br>
+              <a:t>  Please </a:t>
+            </a:r>
+          </a:p>
+          <a:p>
+            <a:pPr marL="342900" indent="-342900">
+              <a:lnSpc>
+                <a:spcPct val="107000"/>
+              </a:lnSpc>
+              <a:spcAft>
+                <a:spcPts val="800"/>
+              </a:spcAft>
+              <a:buFont typeface="Symbol" panose="05050102010706020507" pitchFamily="18" charset="2"/>
+              <a:buChar char=""/>
+            </a:pPr>
+            <a:r>
+              <a:rPr lang="en-IE" sz="2400" dirty="0">
+                <a:effectLst/>
+                <a:latin typeface="Calibri" panose="020F0502020204030204" pitchFamily="34" charset="0"/>
+                <a:ea typeface="Calibri" panose="020F0502020204030204" pitchFamily="34" charset="0"/>
+                <a:cs typeface="Times New Roman" panose="02020603050405020304" pitchFamily="18" charset="0"/>
+              </a:rPr>
+              <a:t>Brought to you by Analysis Cloud Limited, The Irish Cloud Company,  </a:t>
+            </a:r>
+            <a:r>
+              <a:rPr lang="en-IE" sz="2400" dirty="0">
+                <a:effectLst/>
+                <a:latin typeface="Calibri" panose="020F0502020204030204" pitchFamily="34" charset="0"/>
+                <a:ea typeface="Calibri" panose="020F0502020204030204" pitchFamily="34" charset="0"/>
+                <a:cs typeface="Times New Roman" panose="02020603050405020304" pitchFamily="18" charset="0"/>
+                <a:hlinkClick r:id="rId6"/>
+              </a:rPr>
+              <a:t>www.analysis.ie</a:t>
+            </a:r>
+            <a:r>
+              <a:rPr lang="en-IE" sz="2400" dirty="0">
+                <a:effectLst/>
+                <a:latin typeface="Calibri" panose="020F0502020204030204" pitchFamily="34" charset="0"/>
+                <a:ea typeface="Calibri" panose="020F0502020204030204" pitchFamily="34" charset="0"/>
+                <a:cs typeface="Times New Roman" panose="02020603050405020304" pitchFamily="18" charset="0"/>
+              </a:rPr>
+              <a:t> </a:t>
+            </a:r>
             <a:endParaRPr lang="en-GB" sz="2400" dirty="0">
               <a:effectLst/>
               <a:latin typeface="Calibri" panose="020F0502020204030204" pitchFamily="34" charset="0"/>
@@ -7551,34 +7613,6 @@
               <a:buFont typeface="Symbol" panose="05050102010706020507" pitchFamily="18" charset="2"/>
               <a:buChar char=""/>
             </a:pPr>
-            <a:r>
-              <a:rPr lang="en-IE" sz="2400" dirty="0">
-                <a:effectLst/>
-                <a:latin typeface="Calibri" panose="020F0502020204030204" pitchFamily="34" charset="0"/>
-                <a:ea typeface="Calibri" panose="020F0502020204030204" pitchFamily="34" charset="0"/>
-                <a:cs typeface="Times New Roman" panose="02020603050405020304" pitchFamily="18" charset="0"/>
-              </a:rPr>
-              <a:t>Brought to you by Analysis Cloud Limited, The Irish Cloud Company,  </a:t>
-            </a:r>
-            <a:r>
-              <a:rPr lang="en-IE" sz="2400" dirty="0">
-                <a:effectLst/>
-                <a:latin typeface="Calibri" panose="020F0502020204030204" pitchFamily="34" charset="0"/>
-                <a:ea typeface="Calibri" panose="020F0502020204030204" pitchFamily="34" charset="0"/>
-                <a:cs typeface="Times New Roman" panose="02020603050405020304" pitchFamily="18" charset="0"/>
-                <a:hlinkClick r:id="rId5"/>
-              </a:rPr>
-              <a:t>www.analysis.ie</a:t>
-            </a:r>
-            <a:r>
-              <a:rPr lang="en-IE" sz="2400" dirty="0">
-                <a:effectLst/>
-                <a:latin typeface="Calibri" panose="020F0502020204030204" pitchFamily="34" charset="0"/>
-                <a:ea typeface="Calibri" panose="020F0502020204030204" pitchFamily="34" charset="0"/>
-                <a:cs typeface="Times New Roman" panose="02020603050405020304" pitchFamily="18" charset="0"/>
-              </a:rPr>
-              <a:t> </a:t>
-            </a:r>
             <a:endParaRPr lang="en-GB" sz="2400" dirty="0">
               <a:effectLst/>
               <a:latin typeface="Calibri" panose="020F0502020204030204" pitchFamily="34" charset="0"/>
@@ -7591,7 +7625,7 @@
       <p:pic>
         <p:nvPicPr>
           <p:cNvPr id="5" name="Picture 4" descr="A picture containing graphical user interface&#10;&#10;Description automatically generated">
-            <a:hlinkClick r:id="rId6"/>
+            <a:hlinkClick r:id="rId7"/>
             <a:extLst>
               <a:ext uri="{FF2B5EF4-FFF2-40B4-BE49-F238E27FC236}">
                 <a16:creationId xmlns:a16="http://schemas.microsoft.com/office/drawing/2014/main" id="{AFA8FC5A-7AE9-466F-A63C-D4967810AB30}"/>
@@ -7604,7 +7638,7 @@
           <p:nvPr/>
         </p:nvPicPr>
         <p:blipFill>
-          <a:blip r:embed="rId7" cstate="print">
+          <a:blip r:embed="rId8" cstate="print">
             <a:extLst>
               <a:ext uri="{28A0092B-C50C-407E-A947-70E740481C1C}">
                 <a14:useLocalDpi xmlns:a14="http://schemas.microsoft.com/office/drawing/2010/main" val="0"/>
@@ -7618,6 +7652,43 @@
         <p:spPr>
           <a:xfrm>
             <a:off x="9193607" y="2958463"/>
+            <a:ext cx="1869682" cy="936905"/>
+          </a:xfrm>
+          <a:prstGeom prst="rect">
+            <a:avLst/>
+          </a:prstGeom>
+        </p:spPr>
+      </p:pic>
+      <p:pic>
+        <p:nvPicPr>
+          <p:cNvPr id="8" name="Picture 7" descr="A picture containing graphical user interface&#10;&#10;Description automatically generated">
+            <a:hlinkClick r:id="rId7"/>
+            <a:extLst>
+              <a:ext uri="{FF2B5EF4-FFF2-40B4-BE49-F238E27FC236}">
+                <a16:creationId xmlns:a16="http://schemas.microsoft.com/office/drawing/2014/main" id="{68B7F2AC-51B6-48FA-A2FC-9539B9FB1B48}"/>
+              </a:ext>
+            </a:extLst>
+          </p:cNvPr>
+          <p:cNvPicPr>
+            <a:picLocks noChangeAspect="1"/>
+          </p:cNvPicPr>
+          <p:nvPr/>
+        </p:nvPicPr>
+        <p:blipFill>
+          <a:blip r:embed="rId8" cstate="print">
+            <a:extLst>
+              <a:ext uri="{28A0092B-C50C-407E-A947-70E740481C1C}">
+                <a14:useLocalDpi xmlns:a14="http://schemas.microsoft.com/office/drawing/2010/main" val="0"/>
+              </a:ext>
+            </a:extLst>
+          </a:blip>
+          <a:stretch>
+            <a:fillRect/>
+          </a:stretch>
+        </p:blipFill>
+        <p:spPr>
+          <a:xfrm>
+            <a:off x="8690814" y="3788239"/>
             <a:ext cx="1869682" cy="936905"/>
           </a:xfrm>
           <a:prstGeom prst="rect">

--- a/TICTACUFOGame/TICTAC UFO Office Scripts Game.pptx
+++ b/TICTACUFOGame/TICTAC UFO Office Scripts Game.pptx
@@ -7366,7 +7366,7 @@
         <p:spPr>
           <a:xfrm>
             <a:off x="551384" y="1559931"/>
-            <a:ext cx="11017224" cy="3939155"/>
+            <a:ext cx="11017224" cy="4436920"/>
           </a:xfrm>
           <a:prstGeom prst="rect">
             <a:avLst/>
@@ -7594,6 +7594,50 @@
                 <a:cs typeface="Times New Roman" panose="02020603050405020304" pitchFamily="18" charset="0"/>
               </a:rPr>
               <a:t> </a:t>
+            </a:r>
+          </a:p>
+          <a:p>
+            <a:pPr marL="342900" indent="-342900">
+              <a:lnSpc>
+                <a:spcPct val="107000"/>
+              </a:lnSpc>
+              <a:spcAft>
+                <a:spcPts val="800"/>
+              </a:spcAft>
+              <a:buFont typeface="Symbol" panose="05050102010706020507" pitchFamily="18" charset="2"/>
+              <a:buChar char=""/>
+            </a:pPr>
+            <a:r>
+              <a:rPr lang="en-IE" sz="2400" dirty="0">
+                <a:latin typeface="Calibri" panose="020F0502020204030204" pitchFamily="34" charset="0"/>
+                <a:ea typeface="Calibri" panose="020F0502020204030204" pitchFamily="34" charset="0"/>
+                <a:cs typeface="Times New Roman" panose="02020603050405020304" pitchFamily="18" charset="0"/>
+              </a:rPr>
+              <a:t>Email me at </a:t>
+            </a:r>
+            <a:r>
+              <a:rPr lang="en-IE" sz="2400" dirty="0" err="1">
+                <a:latin typeface="Calibri" panose="020F0502020204030204" pitchFamily="34" charset="0"/>
+                <a:ea typeface="Calibri" panose="020F0502020204030204" pitchFamily="34" charset="0"/>
+                <a:cs typeface="Times New Roman" panose="02020603050405020304" pitchFamily="18" charset="0"/>
+              </a:rPr>
+              <a:t>les@</a:t>
+            </a:r>
+            <a:r>
+              <a:rPr lang="en-IE" sz="2400" err="1">
+                <a:latin typeface="Calibri" panose="020F0502020204030204" pitchFamily="34" charset="0"/>
+                <a:ea typeface="Calibri" panose="020F0502020204030204" pitchFamily="34" charset="0"/>
+                <a:cs typeface="Times New Roman" panose="02020603050405020304" pitchFamily="18" charset="0"/>
+              </a:rPr>
+              <a:t>analysis</a:t>
+            </a:r>
+            <a:r>
+              <a:rPr lang="en-IE" sz="2400">
+                <a:latin typeface="Calibri" panose="020F0502020204030204" pitchFamily="34" charset="0"/>
+                <a:ea typeface="Calibri" panose="020F0502020204030204" pitchFamily="34" charset="0"/>
+                <a:cs typeface="Times New Roman" panose="02020603050405020304" pitchFamily="18" charset="0"/>
+              </a:rPr>
+              <a:t>.ie</a:t>
             </a:r>
             <a:endParaRPr lang="en-GB" sz="2400" dirty="0">
               <a:effectLst/>

--- a/TICTACUFOGame/TICTAC UFO Office Scripts Game.pptx
+++ b/TICTACUFOGame/TICTAC UFO Office Scripts Game.pptx
@@ -211,7 +211,7 @@
           <a:p>
             <a:fld id="{061C5132-FFA3-4B02-9F09-22FCF40EFA74}" type="datetimeFigureOut">
               <a:rPr lang="en-US" smtClean="0"/>
-              <a:t>3/31/2021</a:t>
+              <a:t>4/1/2021</a:t>
             </a:fld>
             <a:endParaRPr lang="en-US"/>
           </a:p>
@@ -376,7 +376,7 @@
           <a:p>
             <a:fld id="{0B6E42C9-243F-4DC5-AFF6-9D56B5FA9D63}" type="datetimeFigureOut">
               <a:rPr lang="en-US" smtClean="0"/>
-              <a:t>3/31/2021</a:t>
+              <a:t>4/1/2021</a:t>
             </a:fld>
             <a:endParaRPr lang="en-US"/>
           </a:p>
@@ -1048,7 +1048,19 @@
                 <a:ea typeface="Calibri" panose="020F0502020204030204" pitchFamily="34" charset="0"/>
                 <a:cs typeface="Times New Roman" panose="02020603050405020304" pitchFamily="18" charset="0"/>
               </a:rPr>
-              <a:t>The time taken for Excel to make his turn is displayed in cell N6. </a:t>
+              <a:t>The time taken for Excel to take its turn is displayed in cell N6 </a:t>
+            </a:r>
+            <a:r>
+              <a:rPr lang="en-IE" sz="1800">
+                <a:solidFill>
+                  <a:srgbClr val="000000"/>
+                </a:solidFill>
+                <a:effectLst/>
+                <a:latin typeface="Calibri" panose="020F0502020204030204" pitchFamily="34" charset="0"/>
+                <a:ea typeface="Calibri" panose="020F0502020204030204" pitchFamily="34" charset="0"/>
+                <a:cs typeface="Times New Roman" panose="02020603050405020304" pitchFamily="18" charset="0"/>
+              </a:rPr>
+              <a:t>in milliseconds. </a:t>
             </a:r>
             <a:endParaRPr lang="en-GB" sz="1800" dirty="0">
               <a:effectLst/>
@@ -2334,7 +2346,7 @@
           <a:p>
             <a:fld id="{B0FE2824-C2A0-4931-BB32-60B24BDBB3CC}" type="datetimeFigureOut">
               <a:rPr lang="en-US" smtClean="0"/>
-              <a:t>3/31/2021</a:t>
+              <a:t>4/1/2021</a:t>
             </a:fld>
             <a:endParaRPr lang="en-US"/>
           </a:p>
@@ -2529,7 +2541,7 @@
           <a:p>
             <a:fld id="{B0FE2824-C2A0-4931-BB32-60B24BDBB3CC}" type="datetimeFigureOut">
               <a:rPr lang="en-US" smtClean="0"/>
-              <a:t>3/31/2021</a:t>
+              <a:t>4/1/2021</a:t>
             </a:fld>
             <a:endParaRPr lang="en-US"/>
           </a:p>
@@ -2709,7 +2721,7 @@
           <a:p>
             <a:fld id="{B0FE2824-C2A0-4931-BB32-60B24BDBB3CC}" type="datetimeFigureOut">
               <a:rPr lang="en-US" smtClean="0"/>
-              <a:t>3/31/2021</a:t>
+              <a:t>4/1/2021</a:t>
             </a:fld>
             <a:endParaRPr lang="en-US"/>
           </a:p>
@@ -3229,7 +3241,7 @@
           <a:p>
             <a:fld id="{B0FE2824-C2A0-4931-BB32-60B24BDBB3CC}" type="datetimeFigureOut">
               <a:rPr lang="en-US" smtClean="0"/>
-              <a:t>3/31/2021</a:t>
+              <a:t>4/1/2021</a:t>
             </a:fld>
             <a:endParaRPr lang="en-US"/>
           </a:p>
@@ -3671,7 +3683,7 @@
           <a:p>
             <a:fld id="{B0FE2824-C2A0-4931-BB32-60B24BDBB3CC}" type="datetimeFigureOut">
               <a:rPr lang="en-US" smtClean="0"/>
-              <a:t>3/31/2021</a:t>
+              <a:t>4/1/2021</a:t>
             </a:fld>
             <a:endParaRPr lang="en-US"/>
           </a:p>
@@ -3800,7 +3812,7 @@
           <a:p>
             <a:fld id="{B0FE2824-C2A0-4931-BB32-60B24BDBB3CC}" type="datetimeFigureOut">
               <a:rPr lang="en-US" smtClean="0"/>
-              <a:t>3/31/2021</a:t>
+              <a:t>4/1/2021</a:t>
             </a:fld>
             <a:endParaRPr lang="en-US"/>
           </a:p>
@@ -3907,7 +3919,7 @@
           <a:p>
             <a:fld id="{B0FE2824-C2A0-4931-BB32-60B24BDBB3CC}" type="datetimeFigureOut">
               <a:rPr lang="en-US" smtClean="0"/>
-              <a:t>3/31/2021</a:t>
+              <a:t>4/1/2021</a:t>
             </a:fld>
             <a:endParaRPr lang="en-US"/>
           </a:p>
@@ -4203,7 +4215,7 @@
           <a:p>
             <a:fld id="{B0FE2824-C2A0-4931-BB32-60B24BDBB3CC}" type="datetimeFigureOut">
               <a:rPr lang="en-US" smtClean="0"/>
-              <a:t>3/31/2021</a:t>
+              <a:t>4/1/2021</a:t>
             </a:fld>
             <a:endParaRPr lang="en-US"/>
           </a:p>
@@ -4476,7 +4488,7 @@
           <a:p>
             <a:fld id="{B0FE2824-C2A0-4931-BB32-60B24BDBB3CC}" type="datetimeFigureOut">
               <a:rPr lang="en-US" smtClean="0"/>
-              <a:t>3/31/2021</a:t>
+              <a:t>4/1/2021</a:t>
             </a:fld>
             <a:endParaRPr lang="en-US"/>
           </a:p>
@@ -4770,7 +4782,7 @@
             <a:fld id="{B0FE2824-C2A0-4931-BB32-60B24BDBB3CC}" type="datetimeFigureOut">
               <a:rPr lang="en-US" smtClean="0"/>
               <a:pPr/>
-              <a:t>3/31/2021</a:t>
+              <a:t>4/1/2021</a:t>
             </a:fld>
             <a:endParaRPr lang="en-US"/>
           </a:p>
@@ -7366,7 +7378,7 @@
         <p:spPr>
           <a:xfrm>
             <a:off x="551384" y="1559931"/>
-            <a:ext cx="11017224" cy="4436920"/>
+            <a:ext cx="11017224" cy="4934684"/>
           </a:xfrm>
           <a:prstGeom prst="rect">
             <a:avLst/>
@@ -7430,7 +7442,6 @@
                 <a:latin typeface="Calibri" panose="020F0502020204030204" pitchFamily="34" charset="0"/>
                 <a:ea typeface="Calibri" panose="020F0502020204030204" pitchFamily="34" charset="0"/>
                 <a:cs typeface="Times New Roman" panose="02020603050405020304" pitchFamily="18" charset="0"/>
-                <a:hlinkClick r:id="rId3"/>
               </a:rPr>
               <a:t>https://github.com/MrAnalyticals/OfficeScripts/tree/main/TICTACUFOGame</a:t>
             </a:r>
@@ -7472,26 +7483,7 @@
                 <a:ea typeface="Calibri" panose="020F0502020204030204" pitchFamily="34" charset="0"/>
                 <a:cs typeface="Times New Roman" panose="02020603050405020304" pitchFamily="18" charset="0"/>
               </a:rPr>
-              <a:t>emo video:  </a:t>
-            </a:r>
-            <a:r>
-              <a:rPr lang="en-IE" sz="2400" dirty="0">
-                <a:effectLst/>
-                <a:latin typeface="Calibri" panose="020F0502020204030204" pitchFamily="34" charset="0"/>
-                <a:ea typeface="Calibri" panose="020F0502020204030204" pitchFamily="34" charset="0"/>
-                <a:cs typeface="Times New Roman" panose="02020603050405020304" pitchFamily="18" charset="0"/>
-                <a:hlinkClick r:id="rId4"/>
-              </a:rPr>
-              <a:t>https://youtu.be/FMOCPm1aV_Q</a:t>
-            </a:r>
-            <a:r>
-              <a:rPr lang="en-IE" sz="2400" dirty="0">
-                <a:effectLst/>
-                <a:latin typeface="Calibri" panose="020F0502020204030204" pitchFamily="34" charset="0"/>
-                <a:ea typeface="Calibri" panose="020F0502020204030204" pitchFamily="34" charset="0"/>
-                <a:cs typeface="Times New Roman" panose="02020603050405020304" pitchFamily="18" charset="0"/>
-              </a:rPr>
-              <a:t>   Please </a:t>
+              <a:t>emo video:  https://youtu.be/FMOCPm1aV_Q   Please </a:t>
             </a:r>
             <a:br>
               <a:rPr lang="en-IE" sz="2400" dirty="0">
@@ -7542,7 +7534,7 @@
                 <a:latin typeface="Calibri" panose="020F0502020204030204" pitchFamily="34" charset="0"/>
                 <a:ea typeface="Calibri" panose="020F0502020204030204" pitchFamily="34" charset="0"/>
                 <a:cs typeface="Times New Roman" panose="02020603050405020304" pitchFamily="18" charset="0"/>
-                <a:hlinkClick r:id="rId5"/>
+                <a:hlinkClick r:id="rId3"/>
               </a:rPr>
               <a:t>https://youtu.be/F49hwCzpygQ</a:t>
             </a:r>
@@ -7574,7 +7566,7 @@
                 <a:ea typeface="Calibri" panose="020F0502020204030204" pitchFamily="34" charset="0"/>
                 <a:cs typeface="Times New Roman" panose="02020603050405020304" pitchFamily="18" charset="0"/>
               </a:rPr>
-              <a:t>Brought to you by Analysis Cloud Limited, The Irish Cloud Company,  </a:t>
+              <a:t>Join the Office Scripts LinkedIn Group : </a:t>
             </a:r>
             <a:r>
               <a:rPr lang="en-IE" sz="2400" dirty="0">
@@ -7582,9 +7574,9 @@
                 <a:latin typeface="Calibri" panose="020F0502020204030204" pitchFamily="34" charset="0"/>
                 <a:ea typeface="Calibri" panose="020F0502020204030204" pitchFamily="34" charset="0"/>
                 <a:cs typeface="Times New Roman" panose="02020603050405020304" pitchFamily="18" charset="0"/>
-                <a:hlinkClick r:id="rId6"/>
+                <a:hlinkClick r:id="rId4"/>
               </a:rPr>
-              <a:t>www.analysis.ie</a:t>
+              <a:t>https://www.linkedin.com/groups/9016822/</a:t>
             </a:r>
             <a:r>
               <a:rPr lang="en-IE" sz="2400" dirty="0">
@@ -7609,35 +7601,51 @@
             </a:pPr>
             <a:r>
               <a:rPr lang="en-IE" sz="2400" dirty="0">
+                <a:effectLst/>
                 <a:latin typeface="Calibri" panose="020F0502020204030204" pitchFamily="34" charset="0"/>
                 <a:ea typeface="Calibri" panose="020F0502020204030204" pitchFamily="34" charset="0"/>
                 <a:cs typeface="Times New Roman" panose="02020603050405020304" pitchFamily="18" charset="0"/>
               </a:rPr>
-              <a:t>Email me at </a:t>
-            </a:r>
-            <a:r>
-              <a:rPr lang="en-IE" sz="2400" dirty="0" err="1">
+              <a:t>Brought to you by Analysis Cloud Limited, The Irish Cloud Company,  </a:t>
+            </a:r>
+            <a:r>
+              <a:rPr lang="en-IE" sz="2400" dirty="0">
+                <a:effectLst/>
+                <a:latin typeface="Calibri" panose="020F0502020204030204" pitchFamily="34" charset="0"/>
+                <a:ea typeface="Calibri" panose="020F0502020204030204" pitchFamily="34" charset="0"/>
+                <a:cs typeface="Times New Roman" panose="02020603050405020304" pitchFamily="18" charset="0"/>
+                <a:hlinkClick r:id="rId5"/>
+              </a:rPr>
+              <a:t>www.analysis.ie</a:t>
+            </a:r>
+            <a:r>
+              <a:rPr lang="en-IE" sz="2400" dirty="0">
+                <a:effectLst/>
                 <a:latin typeface="Calibri" panose="020F0502020204030204" pitchFamily="34" charset="0"/>
                 <a:ea typeface="Calibri" panose="020F0502020204030204" pitchFamily="34" charset="0"/>
                 <a:cs typeface="Times New Roman" panose="02020603050405020304" pitchFamily="18" charset="0"/>
               </a:rPr>
-              <a:t>les@</a:t>
-            </a:r>
-            <a:r>
-              <a:rPr lang="en-IE" sz="2400" err="1">
+              <a:t> </a:t>
+            </a:r>
+          </a:p>
+          <a:p>
+            <a:pPr marL="342900" indent="-342900">
+              <a:lnSpc>
+                <a:spcPct val="107000"/>
+              </a:lnSpc>
+              <a:spcAft>
+                <a:spcPts val="800"/>
+              </a:spcAft>
+              <a:buFont typeface="Symbol" panose="05050102010706020507" pitchFamily="18" charset="2"/>
+              <a:buChar char=""/>
+            </a:pPr>
+            <a:r>
+              <a:rPr lang="en-IE" sz="2400" dirty="0">
                 <a:latin typeface="Calibri" panose="020F0502020204030204" pitchFamily="34" charset="0"/>
                 <a:ea typeface="Calibri" panose="020F0502020204030204" pitchFamily="34" charset="0"/>
                 <a:cs typeface="Times New Roman" panose="02020603050405020304" pitchFamily="18" charset="0"/>
               </a:rPr>
-              <a:t>analysis</a:t>
-            </a:r>
-            <a:r>
-              <a:rPr lang="en-IE" sz="2400">
-                <a:latin typeface="Calibri" panose="020F0502020204030204" pitchFamily="34" charset="0"/>
-                <a:ea typeface="Calibri" panose="020F0502020204030204" pitchFamily="34" charset="0"/>
-                <a:cs typeface="Times New Roman" panose="02020603050405020304" pitchFamily="18" charset="0"/>
-              </a:rPr>
-              <a:t>.ie</a:t>
+              <a:t>Email me at les@analysis.ie</a:t>
             </a:r>
             <a:endParaRPr lang="en-GB" sz="2400" dirty="0">
               <a:effectLst/>
@@ -7669,7 +7677,7 @@
       <p:pic>
         <p:nvPicPr>
           <p:cNvPr id="5" name="Picture 4" descr="A picture containing graphical user interface&#10;&#10;Description automatically generated">
-            <a:hlinkClick r:id="rId7"/>
+            <a:hlinkClick r:id="rId6"/>
             <a:extLst>
               <a:ext uri="{FF2B5EF4-FFF2-40B4-BE49-F238E27FC236}">
                 <a16:creationId xmlns:a16="http://schemas.microsoft.com/office/drawing/2014/main" id="{AFA8FC5A-7AE9-466F-A63C-D4967810AB30}"/>
@@ -7682,7 +7690,7 @@
           <p:nvPr/>
         </p:nvPicPr>
         <p:blipFill>
-          <a:blip r:embed="rId8" cstate="print">
+          <a:blip r:embed="rId7" cstate="print">
             <a:extLst>
               <a:ext uri="{28A0092B-C50C-407E-A947-70E740481C1C}">
                 <a14:useLocalDpi xmlns:a14="http://schemas.microsoft.com/office/drawing/2010/main" val="0"/>
@@ -7706,7 +7714,7 @@
       <p:pic>
         <p:nvPicPr>
           <p:cNvPr id="8" name="Picture 7" descr="A picture containing graphical user interface&#10;&#10;Description automatically generated">
-            <a:hlinkClick r:id="rId7"/>
+            <a:hlinkClick r:id="rId6"/>
             <a:extLst>
               <a:ext uri="{FF2B5EF4-FFF2-40B4-BE49-F238E27FC236}">
                 <a16:creationId xmlns:a16="http://schemas.microsoft.com/office/drawing/2014/main" id="{68B7F2AC-51B6-48FA-A2FC-9539B9FB1B48}"/>
@@ -7719,7 +7727,7 @@
           <p:nvPr/>
         </p:nvPicPr>
         <p:blipFill>
-          <a:blip r:embed="rId8" cstate="print">
+          <a:blip r:embed="rId7" cstate="print">
             <a:extLst>
               <a:ext uri="{28A0092B-C50C-407E-A947-70E740481C1C}">
                 <a14:useLocalDpi xmlns:a14="http://schemas.microsoft.com/office/drawing/2010/main" val="0"/>

--- a/TICTACUFOGame/TICTAC UFO Office Scripts Game.pptx
+++ b/TICTACUFOGame/TICTAC UFO Office Scripts Game.pptx
@@ -211,7 +211,7 @@
           <a:p>
             <a:fld id="{061C5132-FFA3-4B02-9F09-22FCF40EFA74}" type="datetimeFigureOut">
               <a:rPr lang="en-US" smtClean="0"/>
-              <a:t>4/1/2021</a:t>
+              <a:t>4/6/2021</a:t>
             </a:fld>
             <a:endParaRPr lang="en-US"/>
           </a:p>
@@ -376,7 +376,7 @@
           <a:p>
             <a:fld id="{0B6E42C9-243F-4DC5-AFF6-9D56B5FA9D63}" type="datetimeFigureOut">
               <a:rPr lang="en-US" smtClean="0"/>
-              <a:t>4/1/2021</a:t>
+              <a:t>4/6/2021</a:t>
             </a:fld>
             <a:endParaRPr lang="en-US"/>
           </a:p>
@@ -2346,7 +2346,7 @@
           <a:p>
             <a:fld id="{B0FE2824-C2A0-4931-BB32-60B24BDBB3CC}" type="datetimeFigureOut">
               <a:rPr lang="en-US" smtClean="0"/>
-              <a:t>4/1/2021</a:t>
+              <a:t>4/6/2021</a:t>
             </a:fld>
             <a:endParaRPr lang="en-US"/>
           </a:p>
@@ -2541,7 +2541,7 @@
           <a:p>
             <a:fld id="{B0FE2824-C2A0-4931-BB32-60B24BDBB3CC}" type="datetimeFigureOut">
               <a:rPr lang="en-US" smtClean="0"/>
-              <a:t>4/1/2021</a:t>
+              <a:t>4/6/2021</a:t>
             </a:fld>
             <a:endParaRPr lang="en-US"/>
           </a:p>
@@ -2721,7 +2721,7 @@
           <a:p>
             <a:fld id="{B0FE2824-C2A0-4931-BB32-60B24BDBB3CC}" type="datetimeFigureOut">
               <a:rPr lang="en-US" smtClean="0"/>
-              <a:t>4/1/2021</a:t>
+              <a:t>4/6/2021</a:t>
             </a:fld>
             <a:endParaRPr lang="en-US"/>
           </a:p>
@@ -3241,7 +3241,7 @@
           <a:p>
             <a:fld id="{B0FE2824-C2A0-4931-BB32-60B24BDBB3CC}" type="datetimeFigureOut">
               <a:rPr lang="en-US" smtClean="0"/>
-              <a:t>4/1/2021</a:t>
+              <a:t>4/6/2021</a:t>
             </a:fld>
             <a:endParaRPr lang="en-US"/>
           </a:p>
@@ -3683,7 +3683,7 @@
           <a:p>
             <a:fld id="{B0FE2824-C2A0-4931-BB32-60B24BDBB3CC}" type="datetimeFigureOut">
               <a:rPr lang="en-US" smtClean="0"/>
-              <a:t>4/1/2021</a:t>
+              <a:t>4/6/2021</a:t>
             </a:fld>
             <a:endParaRPr lang="en-US"/>
           </a:p>
@@ -3812,7 +3812,7 @@
           <a:p>
             <a:fld id="{B0FE2824-C2A0-4931-BB32-60B24BDBB3CC}" type="datetimeFigureOut">
               <a:rPr lang="en-US" smtClean="0"/>
-              <a:t>4/1/2021</a:t>
+              <a:t>4/6/2021</a:t>
             </a:fld>
             <a:endParaRPr lang="en-US"/>
           </a:p>
@@ -3919,7 +3919,7 @@
           <a:p>
             <a:fld id="{B0FE2824-C2A0-4931-BB32-60B24BDBB3CC}" type="datetimeFigureOut">
               <a:rPr lang="en-US" smtClean="0"/>
-              <a:t>4/1/2021</a:t>
+              <a:t>4/6/2021</a:t>
             </a:fld>
             <a:endParaRPr lang="en-US"/>
           </a:p>
@@ -4215,7 +4215,7 @@
           <a:p>
             <a:fld id="{B0FE2824-C2A0-4931-BB32-60B24BDBB3CC}" type="datetimeFigureOut">
               <a:rPr lang="en-US" smtClean="0"/>
-              <a:t>4/1/2021</a:t>
+              <a:t>4/6/2021</a:t>
             </a:fld>
             <a:endParaRPr lang="en-US"/>
           </a:p>
@@ -4488,7 +4488,7 @@
           <a:p>
             <a:fld id="{B0FE2824-C2A0-4931-BB32-60B24BDBB3CC}" type="datetimeFigureOut">
               <a:rPr lang="en-US" smtClean="0"/>
-              <a:t>4/1/2021</a:t>
+              <a:t>4/6/2021</a:t>
             </a:fld>
             <a:endParaRPr lang="en-US"/>
           </a:p>
@@ -4782,7 +4782,7 @@
             <a:fld id="{B0FE2824-C2A0-4931-BB32-60B24BDBB3CC}" type="datetimeFigureOut">
               <a:rPr lang="en-US" smtClean="0"/>
               <a:pPr/>
-              <a:t>4/1/2021</a:t>
+              <a:t>4/6/2021</a:t>
             </a:fld>
             <a:endParaRPr lang="en-US"/>
           </a:p>
@@ -5447,8 +5447,13 @@
           <a:p>
             <a:r>
               <a:rPr lang="en-GB" sz="2800" dirty="0"/>
-              <a:t>I have recently finished working with the European Commission building a large scale, 100%, cloud based Covid Reporting application built on Azure, Power Platform and Office 365. It was on that project that I became familiar with Office Scripts. </a:t>
-            </a:r>
+              <a:t>I have recently finished working with the European Commission building a large scale, 100%, cloud based Covid Reporting application built on Azure, Power Platform and Office 365. Office Scripts was the was used as a central controlling component of that application</a:t>
+            </a:r>
+            <a:r>
+              <a:rPr lang="en-GB" sz="2800"/>
+              <a:t>. </a:t>
+            </a:r>
+            <a:endParaRPr lang="en-GB" sz="2800" dirty="0"/>
           </a:p>
           <a:p>
             <a:endParaRPr lang="en-US" sz="2800" dirty="0"/>
@@ -7483,7 +7488,7 @@
                 <a:ea typeface="Calibri" panose="020F0502020204030204" pitchFamily="34" charset="0"/>
                 <a:cs typeface="Times New Roman" panose="02020603050405020304" pitchFamily="18" charset="0"/>
               </a:rPr>
-              <a:t>emo video:  https://youtu.be/FMOCPm1aV_Q   Please </a:t>
+              <a:t>emo video:  https://youtu.be/FMOCPm1aV_Q   </a:t>
             </a:r>
             <a:br>
               <a:rPr lang="en-IE" sz="2400" dirty="0">
@@ -7545,7 +7550,7 @@
                 <a:ea typeface="Calibri" panose="020F0502020204030204" pitchFamily="34" charset="0"/>
                 <a:cs typeface="Times New Roman" panose="02020603050405020304" pitchFamily="18" charset="0"/>
               </a:rPr>
-              <a:t>  Please </a:t>
+              <a:t>  </a:t>
             </a:r>
           </a:p>
           <a:p>
@@ -7674,80 +7679,6 @@
           </a:p>
         </p:txBody>
       </p:sp>
-      <p:pic>
-        <p:nvPicPr>
-          <p:cNvPr id="5" name="Picture 4" descr="A picture containing graphical user interface&#10;&#10;Description automatically generated">
-            <a:hlinkClick r:id="rId6"/>
-            <a:extLst>
-              <a:ext uri="{FF2B5EF4-FFF2-40B4-BE49-F238E27FC236}">
-                <a16:creationId xmlns:a16="http://schemas.microsoft.com/office/drawing/2014/main" id="{AFA8FC5A-7AE9-466F-A63C-D4967810AB30}"/>
-              </a:ext>
-            </a:extLst>
-          </p:cNvPr>
-          <p:cNvPicPr>
-            <a:picLocks noChangeAspect="1"/>
-          </p:cNvPicPr>
-          <p:nvPr/>
-        </p:nvPicPr>
-        <p:blipFill>
-          <a:blip r:embed="rId7" cstate="print">
-            <a:extLst>
-              <a:ext uri="{28A0092B-C50C-407E-A947-70E740481C1C}">
-                <a14:useLocalDpi xmlns:a14="http://schemas.microsoft.com/office/drawing/2010/main" val="0"/>
-              </a:ext>
-            </a:extLst>
-          </a:blip>
-          <a:stretch>
-            <a:fillRect/>
-          </a:stretch>
-        </p:blipFill>
-        <p:spPr>
-          <a:xfrm>
-            <a:off x="9193607" y="2958463"/>
-            <a:ext cx="1869682" cy="936905"/>
-          </a:xfrm>
-          <a:prstGeom prst="rect">
-            <a:avLst/>
-          </a:prstGeom>
-        </p:spPr>
-      </p:pic>
-      <p:pic>
-        <p:nvPicPr>
-          <p:cNvPr id="8" name="Picture 7" descr="A picture containing graphical user interface&#10;&#10;Description automatically generated">
-            <a:hlinkClick r:id="rId6"/>
-            <a:extLst>
-              <a:ext uri="{FF2B5EF4-FFF2-40B4-BE49-F238E27FC236}">
-                <a16:creationId xmlns:a16="http://schemas.microsoft.com/office/drawing/2014/main" id="{68B7F2AC-51B6-48FA-A2FC-9539B9FB1B48}"/>
-              </a:ext>
-            </a:extLst>
-          </p:cNvPr>
-          <p:cNvPicPr>
-            <a:picLocks noChangeAspect="1"/>
-          </p:cNvPicPr>
-          <p:nvPr/>
-        </p:nvPicPr>
-        <p:blipFill>
-          <a:blip r:embed="rId7" cstate="print">
-            <a:extLst>
-              <a:ext uri="{28A0092B-C50C-407E-A947-70E740481C1C}">
-                <a14:useLocalDpi xmlns:a14="http://schemas.microsoft.com/office/drawing/2010/main" val="0"/>
-              </a:ext>
-            </a:extLst>
-          </a:blip>
-          <a:stretch>
-            <a:fillRect/>
-          </a:stretch>
-        </p:blipFill>
-        <p:spPr>
-          <a:xfrm>
-            <a:off x="8690814" y="3788239"/>
-            <a:ext cx="1869682" cy="936905"/>
-          </a:xfrm>
-          <a:prstGeom prst="rect">
-            <a:avLst/>
-          </a:prstGeom>
-        </p:spPr>
-      </p:pic>
     </p:spTree>
     <p:extLst>
       <p:ext uri="{BB962C8B-B14F-4D97-AF65-F5344CB8AC3E}">
